--- a/paper/pulse/Interaction2021/概要説明用スライド.pptx
+++ b/paper/pulse/Interaction2021/概要説明用スライド.pptx
@@ -5,7 +5,7 @@
     <p:sldMasterId id="2147483648" r:id="rId1"/>
   </p:sldMasterIdLst>
   <p:sldIdLst>
-    <p:sldId id="256" r:id="rId2"/>
+    <p:sldId id="258" r:id="rId2"/>
   </p:sldIdLst>
   <p:sldSz cx="9144000" cy="6858000" type="screen4x3"/>
   <p:notesSz cx="6858000" cy="9144000"/>
@@ -302,7 +302,7 @@
           <a:p>
             <a:fld id="{6C01474A-1A82-DB49-B1B3-10F32BECD69B}" type="datetimeFigureOut">
               <a:rPr kumimoji="1" lang="ja-JP" altLang="en-US" smtClean="0"/>
-              <a:t>2021/2/11</a:t>
+              <a:t>2021/2/18</a:t>
             </a:fld>
             <a:endParaRPr kumimoji="1" lang="ja-JP" altLang="en-US"/>
           </a:p>
@@ -502,7 +502,7 @@
           <a:p>
             <a:fld id="{6C01474A-1A82-DB49-B1B3-10F32BECD69B}" type="datetimeFigureOut">
               <a:rPr kumimoji="1" lang="ja-JP" altLang="en-US" smtClean="0"/>
-              <a:t>2021/2/11</a:t>
+              <a:t>2021/2/18</a:t>
             </a:fld>
             <a:endParaRPr kumimoji="1" lang="ja-JP" altLang="en-US"/>
           </a:p>
@@ -712,7 +712,7 @@
           <a:p>
             <a:fld id="{6C01474A-1A82-DB49-B1B3-10F32BECD69B}" type="datetimeFigureOut">
               <a:rPr kumimoji="1" lang="ja-JP" altLang="en-US" smtClean="0"/>
-              <a:t>2021/2/11</a:t>
+              <a:t>2021/2/18</a:t>
             </a:fld>
             <a:endParaRPr kumimoji="1" lang="ja-JP" altLang="en-US"/>
           </a:p>
@@ -912,7 +912,7 @@
           <a:p>
             <a:fld id="{6C01474A-1A82-DB49-B1B3-10F32BECD69B}" type="datetimeFigureOut">
               <a:rPr kumimoji="1" lang="ja-JP" altLang="en-US" smtClean="0"/>
-              <a:t>2021/2/11</a:t>
+              <a:t>2021/2/18</a:t>
             </a:fld>
             <a:endParaRPr kumimoji="1" lang="ja-JP" altLang="en-US"/>
           </a:p>
@@ -1157,7 +1157,7 @@
           <a:p>
             <a:fld id="{6C01474A-1A82-DB49-B1B3-10F32BECD69B}" type="datetimeFigureOut">
               <a:rPr kumimoji="1" lang="ja-JP" altLang="en-US" smtClean="0"/>
-              <a:t>2021/2/11</a:t>
+              <a:t>2021/2/18</a:t>
             </a:fld>
             <a:endParaRPr kumimoji="1" lang="ja-JP" altLang="en-US"/>
           </a:p>
@@ -1506,7 +1506,7 @@
           <a:p>
             <a:fld id="{6C01474A-1A82-DB49-B1B3-10F32BECD69B}" type="datetimeFigureOut">
               <a:rPr kumimoji="1" lang="ja-JP" altLang="en-US" smtClean="0"/>
-              <a:t>2021/2/11</a:t>
+              <a:t>2021/2/18</a:t>
             </a:fld>
             <a:endParaRPr kumimoji="1" lang="ja-JP" altLang="en-US"/>
           </a:p>
@@ -1989,7 +1989,7 @@
           <a:p>
             <a:fld id="{6C01474A-1A82-DB49-B1B3-10F32BECD69B}" type="datetimeFigureOut">
               <a:rPr kumimoji="1" lang="ja-JP" altLang="en-US" smtClean="0"/>
-              <a:t>2021/2/11</a:t>
+              <a:t>2021/2/18</a:t>
             </a:fld>
             <a:endParaRPr kumimoji="1" lang="ja-JP" altLang="en-US"/>
           </a:p>
@@ -2106,7 +2106,7 @@
           <a:p>
             <a:fld id="{6C01474A-1A82-DB49-B1B3-10F32BECD69B}" type="datetimeFigureOut">
               <a:rPr kumimoji="1" lang="ja-JP" altLang="en-US" smtClean="0"/>
-              <a:t>2021/2/11</a:t>
+              <a:t>2021/2/18</a:t>
             </a:fld>
             <a:endParaRPr kumimoji="1" lang="ja-JP" altLang="en-US"/>
           </a:p>
@@ -2201,7 +2201,7 @@
           <a:p>
             <a:fld id="{6C01474A-1A82-DB49-B1B3-10F32BECD69B}" type="datetimeFigureOut">
               <a:rPr kumimoji="1" lang="ja-JP" altLang="en-US" smtClean="0"/>
-              <a:t>2021/2/11</a:t>
+              <a:t>2021/2/18</a:t>
             </a:fld>
             <a:endParaRPr kumimoji="1" lang="ja-JP" altLang="en-US"/>
           </a:p>
@@ -2508,7 +2508,7 @@
           <a:p>
             <a:fld id="{6C01474A-1A82-DB49-B1B3-10F32BECD69B}" type="datetimeFigureOut">
               <a:rPr kumimoji="1" lang="ja-JP" altLang="en-US" smtClean="0"/>
-              <a:t>2021/2/11</a:t>
+              <a:t>2021/2/18</a:t>
             </a:fld>
             <a:endParaRPr kumimoji="1" lang="ja-JP" altLang="en-US"/>
           </a:p>
@@ -2760,7 +2760,7 @@
           <a:p>
             <a:fld id="{6C01474A-1A82-DB49-B1B3-10F32BECD69B}" type="datetimeFigureOut">
               <a:rPr kumimoji="1" lang="ja-JP" altLang="en-US" smtClean="0"/>
-              <a:t>2021/2/11</a:t>
+              <a:t>2021/2/18</a:t>
             </a:fld>
             <a:endParaRPr kumimoji="1" lang="ja-JP" altLang="en-US"/>
           </a:p>
@@ -3003,7 +3003,7 @@
           <a:p>
             <a:fld id="{6C01474A-1A82-DB49-B1B3-10F32BECD69B}" type="datetimeFigureOut">
               <a:rPr kumimoji="1" lang="ja-JP" altLang="en-US" smtClean="0"/>
-              <a:t>2021/2/11</a:t>
+              <a:t>2021/2/18</a:t>
             </a:fld>
             <a:endParaRPr kumimoji="1" lang="ja-JP" altLang="en-US"/>
           </a:p>
@@ -3378,150 +3378,12 @@
           <a:chExt cx="0" cy="0"/>
         </a:xfrm>
       </p:grpSpPr>
-      <p:sp>
-        <p:nvSpPr>
-          <p:cNvPr id="2" name="タイトル 1"/>
-          <p:cNvSpPr>
-            <a:spLocks noGrp="1"/>
-          </p:cNvSpPr>
-          <p:nvPr>
-            <p:ph type="ctrTitle"/>
-          </p:nvPr>
-        </p:nvSpPr>
-        <p:spPr>
-          <a:xfrm>
-            <a:off x="0" y="1"/>
-            <a:ext cx="9144000" cy="2350094"/>
-          </a:xfrm>
-          <a:solidFill>
-            <a:schemeClr val="bg1">
-              <a:lumMod val="85000"/>
-            </a:schemeClr>
-          </a:solidFill>
-        </p:spPr>
-        <p:txBody>
-          <a:bodyPr>
-            <a:normAutofit/>
-          </a:bodyPr>
-          <a:lstStyle/>
-          <a:p>
-            <a:r>
-              <a:rPr lang="ja-JP" altLang="en-US" dirty="0"/>
-              <a:t>ディスプレイを用いた</a:t>
-            </a:r>
-            <a:br>
-              <a:rPr lang="en-US" altLang="ja-JP" dirty="0"/>
-            </a:br>
-            <a:r>
-              <a:rPr lang="ja-JP" altLang="en-US" dirty="0"/>
-              <a:t>脈波生成手法の検討</a:t>
-            </a:r>
-            <a:endParaRPr kumimoji="1" lang="ja-JP" altLang="en-US" dirty="0"/>
-          </a:p>
-        </p:txBody>
-      </p:sp>
-      <p:sp>
-        <p:nvSpPr>
-          <p:cNvPr id="5" name="テキスト ボックス 4">
+      <p:pic>
+        <p:nvPicPr>
+          <p:cNvPr id="5" name="図 4" descr="テーブル, 持つ, 手, 木製 が含まれている画像&#10;&#10;自動的に生成された説明">
             <a:extLst>
               <a:ext uri="{FF2B5EF4-FFF2-40B4-BE49-F238E27FC236}">
-                <a16:creationId xmlns:a16="http://schemas.microsoft.com/office/drawing/2014/main" id="{25135EB2-14E4-45D1-9FC9-DCEBDDB0297A}"/>
-              </a:ext>
-            </a:extLst>
-          </p:cNvPr>
-          <p:cNvSpPr txBox="1"/>
-          <p:nvPr/>
-        </p:nvSpPr>
-        <p:spPr>
-          <a:xfrm>
-            <a:off x="5630333" y="1888430"/>
-            <a:ext cx="3513667" cy="461665"/>
-          </a:xfrm>
-          <a:prstGeom prst="rect">
-            <a:avLst/>
-          </a:prstGeom>
-          <a:noFill/>
-        </p:spPr>
-        <p:txBody>
-          <a:bodyPr wrap="square" rtlCol="0">
-            <a:spAutoFit/>
-          </a:bodyPr>
-          <a:lstStyle/>
-          <a:p>
-            <a:pPr algn="ctr"/>
-            <a:r>
-              <a:rPr kumimoji="1" lang="ja-JP" altLang="en-US" sz="2400" dirty="0"/>
-              <a:t>藤井敦寛　（立命館大学）</a:t>
-            </a:r>
-          </a:p>
-        </p:txBody>
-      </p:sp>
-      <p:sp>
-        <p:nvSpPr>
-          <p:cNvPr id="17" name="四角形: 角を丸くする 16">
-            <a:extLst>
-              <a:ext uri="{FF2B5EF4-FFF2-40B4-BE49-F238E27FC236}">
-                <a16:creationId xmlns:a16="http://schemas.microsoft.com/office/drawing/2014/main" id="{04A68FBC-4F86-49C0-B14E-84C3644FF5BE}"/>
-              </a:ext>
-            </a:extLst>
-          </p:cNvPr>
-          <p:cNvSpPr/>
-          <p:nvPr/>
-        </p:nvSpPr>
-        <p:spPr>
-          <a:xfrm>
-            <a:off x="6756463" y="3361264"/>
-            <a:ext cx="2150534" cy="982133"/>
-          </a:xfrm>
-          <a:prstGeom prst="roundRect">
-            <a:avLst/>
-          </a:prstGeom>
-          <a:solidFill>
-            <a:schemeClr val="bg1"/>
-          </a:solidFill>
-          <a:ln w="38100">
-            <a:solidFill>
-              <a:schemeClr val="tx1"/>
-            </a:solidFill>
-          </a:ln>
-          <a:effectLst/>
-        </p:spPr>
-        <p:style>
-          <a:lnRef idx="1">
-            <a:schemeClr val="accent1"/>
-          </a:lnRef>
-          <a:fillRef idx="3">
-            <a:schemeClr val="accent1"/>
-          </a:fillRef>
-          <a:effectRef idx="2">
-            <a:schemeClr val="accent1"/>
-          </a:effectRef>
-          <a:fontRef idx="minor">
-            <a:schemeClr val="lt1"/>
-          </a:fontRef>
-        </p:style>
-        <p:txBody>
-          <a:bodyPr rtlCol="0" anchor="ctr"/>
-          <a:lstStyle/>
-          <a:p>
-            <a:pPr algn="ctr"/>
-            <a:r>
-              <a:rPr kumimoji="1" lang="ja-JP" altLang="en-US" sz="2400" dirty="0">
-                <a:solidFill>
-                  <a:schemeClr val="tx1"/>
-                </a:solidFill>
-              </a:rPr>
-              <a:t>識別モデル</a:t>
-            </a:r>
-          </a:p>
-        </p:txBody>
-      </p:sp>
-      <p:pic>
-        <p:nvPicPr>
-          <p:cNvPr id="20" name="グラフィックス 19">
-            <a:extLst>
-              <a:ext uri="{FF2B5EF4-FFF2-40B4-BE49-F238E27FC236}">
-                <a16:creationId xmlns:a16="http://schemas.microsoft.com/office/drawing/2014/main" id="{C23D5B78-4D5C-445D-9357-1B59E143CC4B}"/>
+                <a16:creationId xmlns:a16="http://schemas.microsoft.com/office/drawing/2014/main" id="{03855BAD-0710-413F-938F-D51D563C671D}"/>
               </a:ext>
             </a:extLst>
           </p:cNvPr>
@@ -3531,368 +3393,91 @@
           <p:nvPr/>
         </p:nvPicPr>
         <p:blipFill>
-          <a:blip r:embed="rId2">
-            <a:extLst>
-              <a:ext uri="{96DAC541-7B7A-43D3-8B79-37D633B846F1}">
-                <asvg:svgBlip xmlns:asvg="http://schemas.microsoft.com/office/drawing/2016/SVG/main" r:embed="rId3"/>
-              </a:ext>
-            </a:extLst>
-          </a:blip>
+          <a:blip r:embed="rId2"/>
           <a:stretch>
             <a:fillRect/>
           </a:stretch>
         </p:blipFill>
         <p:spPr>
           <a:xfrm>
-            <a:off x="3915450" y="2626470"/>
-            <a:ext cx="1716067" cy="1280807"/>
+            <a:off x="0" y="0"/>
+            <a:ext cx="9144000" cy="6858000"/>
           </a:xfrm>
           <a:prstGeom prst="rect">
             <a:avLst/>
           </a:prstGeom>
         </p:spPr>
       </p:pic>
-      <p:cxnSp>
-        <p:nvCxnSpPr>
-          <p:cNvPr id="30" name="直線矢印コネクタ 29">
+      <p:sp>
+        <p:nvSpPr>
+          <p:cNvPr id="6" name="タイトル 1">
             <a:extLst>
               <a:ext uri="{FF2B5EF4-FFF2-40B4-BE49-F238E27FC236}">
-                <a16:creationId xmlns:a16="http://schemas.microsoft.com/office/drawing/2014/main" id="{FD20806C-7C6E-4D80-8017-53B54DF7B2F9}"/>
+                <a16:creationId xmlns:a16="http://schemas.microsoft.com/office/drawing/2014/main" id="{86AE1696-0614-43A3-8FF1-44563DAF327C}"/>
               </a:ext>
             </a:extLst>
           </p:cNvPr>
-          <p:cNvCxnSpPr>
-            <a:cxnSpLocks/>
-          </p:cNvCxnSpPr>
+          <p:cNvSpPr txBox="1">
+            <a:spLocks/>
+          </p:cNvSpPr>
           <p:nvPr/>
-        </p:nvCxnSpPr>
+        </p:nvSpPr>
         <p:spPr>
           <a:xfrm>
-            <a:off x="5798764" y="3402837"/>
-            <a:ext cx="762903" cy="269264"/>
+            <a:off x="0" y="1"/>
+            <a:ext cx="9144000" cy="1854199"/>
           </a:xfrm>
-          <a:prstGeom prst="straightConnector1">
+          <a:prstGeom prst="rect">
             <a:avLst/>
           </a:prstGeom>
-          <a:ln w="76200">
-            <a:solidFill>
-              <a:schemeClr val="tx1"/>
-            </a:solidFill>
-            <a:tailEnd type="triangle"/>
-          </a:ln>
-          <a:effectLst/>
+          <a:solidFill>
+            <a:srgbClr val="D9D9D9">
+              <a:alpha val="60000"/>
+            </a:srgbClr>
+          </a:solidFill>
         </p:spPr>
-        <p:style>
-          <a:lnRef idx="2">
-            <a:schemeClr val="accent1"/>
-          </a:lnRef>
-          <a:fillRef idx="0">
-            <a:schemeClr val="accent1"/>
-          </a:fillRef>
-          <a:effectRef idx="1">
-            <a:schemeClr val="accent1"/>
-          </a:effectRef>
-          <a:fontRef idx="minor">
-            <a:schemeClr val="tx1"/>
-          </a:fontRef>
-        </p:style>
-      </p:cxnSp>
-      <p:grpSp>
-        <p:nvGrpSpPr>
-          <p:cNvPr id="58" name="グループ化 57">
-            <a:extLst>
-              <a:ext uri="{FF2B5EF4-FFF2-40B4-BE49-F238E27FC236}">
-                <a16:creationId xmlns:a16="http://schemas.microsoft.com/office/drawing/2014/main" id="{1CB20E24-72A2-412B-83DA-8C9D95F5B311}"/>
-              </a:ext>
-            </a:extLst>
-          </p:cNvPr>
-          <p:cNvGrpSpPr/>
-          <p:nvPr/>
-        </p:nvGrpSpPr>
-        <p:grpSpPr>
-          <a:xfrm>
-            <a:off x="595954" y="2887930"/>
-            <a:ext cx="3048000" cy="2324547"/>
-            <a:chOff x="737783" y="4276954"/>
-            <a:chExt cx="3048000" cy="2324547"/>
-          </a:xfrm>
-        </p:grpSpPr>
-        <p:grpSp>
-          <p:nvGrpSpPr>
-            <p:cNvPr id="34" name="グループ化 33">
-              <a:extLst>
-                <a:ext uri="{FF2B5EF4-FFF2-40B4-BE49-F238E27FC236}">
-                  <a16:creationId xmlns:a16="http://schemas.microsoft.com/office/drawing/2014/main" id="{DA96395F-DB69-4A51-B9A4-6D8349ABD65B}"/>
-                </a:ext>
-              </a:extLst>
-            </p:cNvPr>
-            <p:cNvGrpSpPr/>
-            <p:nvPr/>
-          </p:nvGrpSpPr>
-          <p:grpSpPr>
-            <a:xfrm>
-              <a:off x="737783" y="4276954"/>
-              <a:ext cx="3048000" cy="2324547"/>
-              <a:chOff x="365247" y="4514022"/>
-              <a:chExt cx="3048000" cy="2324547"/>
-            </a:xfrm>
-          </p:grpSpPr>
-          <p:pic>
-            <p:nvPicPr>
-              <p:cNvPr id="9" name="図 8" descr="時計 が含まれている画像&#10;&#10;自動的に生成された説明">
-                <a:extLst>
-                  <a:ext uri="{FF2B5EF4-FFF2-40B4-BE49-F238E27FC236}">
-                    <a16:creationId xmlns:a16="http://schemas.microsoft.com/office/drawing/2014/main" id="{4800912A-2F9B-4EFE-AA2C-DEC1952FAA6D}"/>
-                  </a:ext>
-                </a:extLst>
-              </p:cNvPr>
-              <p:cNvPicPr>
-                <a:picLocks noChangeAspect="1"/>
-              </p:cNvPicPr>
-              <p:nvPr/>
-            </p:nvPicPr>
-            <p:blipFill rotWithShape="1">
-              <a:blip r:embed="rId4"/>
-              <a:srcRect l="21241" t="63609" r="16181"/>
-              <a:stretch/>
-            </p:blipFill>
-            <p:spPr>
-              <a:xfrm>
-                <a:off x="365247" y="4514022"/>
-                <a:ext cx="3048000" cy="2324547"/>
-              </a:xfrm>
-              <a:prstGeom prst="rect">
-                <a:avLst/>
-              </a:prstGeom>
-            </p:spPr>
-          </p:pic>
-          <p:sp>
-            <p:nvSpPr>
-              <p:cNvPr id="12" name="楕円 11">
-                <a:extLst>
-                  <a:ext uri="{FF2B5EF4-FFF2-40B4-BE49-F238E27FC236}">
-                    <a16:creationId xmlns:a16="http://schemas.microsoft.com/office/drawing/2014/main" id="{66FC24B0-CF79-4983-B252-DA4D66EE2AE8}"/>
-                  </a:ext>
-                </a:extLst>
-              </p:cNvPr>
-              <p:cNvSpPr/>
-              <p:nvPr/>
-            </p:nvSpPr>
-            <p:spPr>
-              <a:xfrm>
-                <a:off x="611786" y="4920755"/>
-                <a:ext cx="468000" cy="468000"/>
-              </a:xfrm>
-              <a:prstGeom prst="ellipse">
-                <a:avLst/>
-              </a:prstGeom>
-              <a:solidFill>
-                <a:schemeClr val="bg1">
-                  <a:lumMod val="75000"/>
-                </a:schemeClr>
-              </a:solidFill>
-              <a:ln>
-                <a:solidFill>
-                  <a:schemeClr val="bg1">
-                    <a:lumMod val="75000"/>
-                  </a:schemeClr>
-                </a:solidFill>
-              </a:ln>
-              <a:effectLst/>
-            </p:spPr>
-            <p:style>
-              <a:lnRef idx="1">
-                <a:schemeClr val="accent1"/>
-              </a:lnRef>
-              <a:fillRef idx="3">
-                <a:schemeClr val="accent1"/>
-              </a:fillRef>
-              <a:effectRef idx="2">
-                <a:schemeClr val="accent1"/>
-              </a:effectRef>
-              <a:fontRef idx="minor">
-                <a:schemeClr val="lt1"/>
-              </a:fontRef>
-            </p:style>
-            <p:txBody>
-              <a:bodyPr rtlCol="0" anchor="ctr"/>
-              <a:lstStyle/>
-              <a:p>
-                <a:pPr algn="ctr"/>
-                <a:endParaRPr kumimoji="1" lang="ja-JP" altLang="en-US" dirty="0">
-                  <a:solidFill>
-                    <a:schemeClr val="tx1"/>
-                  </a:solidFill>
-                </a:endParaRPr>
-              </a:p>
-            </p:txBody>
-          </p:sp>
-          <p:pic>
-            <p:nvPicPr>
-              <p:cNvPr id="16" name="図 15" descr="図形&#10;&#10;自動的に生成された説明">
-                <a:extLst>
-                  <a:ext uri="{FF2B5EF4-FFF2-40B4-BE49-F238E27FC236}">
-                    <a16:creationId xmlns:a16="http://schemas.microsoft.com/office/drawing/2014/main" id="{BB4E9372-9895-40CE-B42E-CEB97079EABF}"/>
-                  </a:ext>
-                </a:extLst>
-              </p:cNvPr>
-              <p:cNvPicPr>
-                <a:picLocks noChangeAspect="1"/>
-              </p:cNvPicPr>
-              <p:nvPr/>
-            </p:nvPicPr>
-            <p:blipFill>
-              <a:blip r:embed="rId5"/>
-              <a:stretch>
-                <a:fillRect/>
-              </a:stretch>
-            </p:blipFill>
-            <p:spPr>
-              <a:xfrm>
-                <a:off x="711154" y="5028929"/>
-                <a:ext cx="269264" cy="269264"/>
-              </a:xfrm>
-              <a:prstGeom prst="rect">
-                <a:avLst/>
-              </a:prstGeom>
-            </p:spPr>
-          </p:pic>
-          <p:sp>
-            <p:nvSpPr>
-              <p:cNvPr id="21" name="正方形/長方形 20">
-                <a:extLst>
-                  <a:ext uri="{FF2B5EF4-FFF2-40B4-BE49-F238E27FC236}">
-                    <a16:creationId xmlns:a16="http://schemas.microsoft.com/office/drawing/2014/main" id="{94DD2CAF-9897-4085-B3AD-353C796D3D80}"/>
-                  </a:ext>
-                </a:extLst>
-              </p:cNvPr>
-              <p:cNvSpPr/>
-              <p:nvPr/>
-            </p:nvSpPr>
-            <p:spPr>
-              <a:xfrm rot="1980000">
-                <a:off x="973583" y="5635850"/>
-                <a:ext cx="1003403" cy="542536"/>
-              </a:xfrm>
-              <a:prstGeom prst="rect">
-                <a:avLst/>
-              </a:prstGeom>
-              <a:solidFill>
-                <a:schemeClr val="bg1"/>
-              </a:solidFill>
-              <a:ln w="76200">
+        <p:txBody>
+          <a:bodyPr vert="horz" lIns="91440" tIns="45720" rIns="91440" bIns="45720" rtlCol="0" anchor="t">
+            <a:normAutofit/>
+          </a:bodyPr>
+          <a:lstStyle>
+            <a:lvl1pPr algn="ctr" defTabSz="457200" rtl="0" eaLnBrk="1" latinLnBrk="0" hangingPunct="1">
+              <a:spcBef>
+                <a:spcPct val="0"/>
+              </a:spcBef>
+              <a:buNone/>
+              <a:defRPr kumimoji="1" sz="4400" kern="1200">
                 <a:solidFill>
                   <a:schemeClr val="tx1"/>
                 </a:solidFill>
-              </a:ln>
-              <a:effectLst/>
-            </p:spPr>
-            <p:style>
-              <a:lnRef idx="1">
-                <a:schemeClr val="accent1"/>
-              </a:lnRef>
-              <a:fillRef idx="3">
-                <a:schemeClr val="accent1"/>
-              </a:fillRef>
-              <a:effectRef idx="2">
-                <a:schemeClr val="accent1"/>
-              </a:effectRef>
-              <a:fontRef idx="minor">
-                <a:schemeClr val="lt1"/>
-              </a:fontRef>
-            </p:style>
-            <p:txBody>
-              <a:bodyPr rtlCol="0" anchor="ctr"/>
-              <a:lstStyle/>
-              <a:p>
-                <a:pPr algn="ctr"/>
-                <a:endParaRPr kumimoji="1" lang="ja-JP" altLang="en-US"/>
-              </a:p>
-            </p:txBody>
-          </p:sp>
-        </p:grpSp>
-        <p:pic>
-          <p:nvPicPr>
-            <p:cNvPr id="11" name="図 10">
-              <a:extLst>
-                <a:ext uri="{FF2B5EF4-FFF2-40B4-BE49-F238E27FC236}">
-                  <a16:creationId xmlns:a16="http://schemas.microsoft.com/office/drawing/2014/main" id="{063A4739-C003-447B-A45A-E808443A0CFA}"/>
-                </a:ext>
-              </a:extLst>
-            </p:cNvPr>
-            <p:cNvPicPr>
-              <a:picLocks noChangeAspect="1"/>
-            </p:cNvPicPr>
-            <p:nvPr/>
-          </p:nvPicPr>
-          <p:blipFill>
-            <a:blip r:embed="rId6"/>
-            <a:stretch>
-              <a:fillRect/>
-            </a:stretch>
-          </p:blipFill>
-          <p:spPr>
-            <a:xfrm rot="2009411">
-              <a:off x="1212689" y="5016208"/>
-              <a:ext cx="1094317" cy="1198538"/>
-            </a:xfrm>
-            <a:prstGeom prst="rect">
-              <a:avLst/>
-            </a:prstGeom>
-          </p:spPr>
-        </p:pic>
-      </p:grpSp>
-      <p:cxnSp>
-        <p:nvCxnSpPr>
-          <p:cNvPr id="35" name="直線矢印コネクタ 34">
+                <a:latin typeface="+mj-lt"/>
+                <a:ea typeface="+mj-ea"/>
+                <a:cs typeface="+mj-cs"/>
+              </a:defRPr>
+            </a:lvl1pPr>
+          </a:lstStyle>
+          <a:p>
+            <a:r>
+              <a:rPr lang="ja-JP" altLang="en-US" dirty="0"/>
+              <a:t>ディスプレイを用いた</a:t>
+            </a:r>
+            <a:br>
+              <a:rPr lang="en-US" altLang="ja-JP" dirty="0"/>
+            </a:br>
+            <a:r>
+              <a:rPr lang="ja-JP" altLang="en-US" dirty="0"/>
+              <a:t>脈波生成手法の検討</a:t>
+            </a:r>
+            <a:endParaRPr lang="en-US" altLang="ja-JP" dirty="0"/>
+          </a:p>
+        </p:txBody>
+      </p:sp>
+      <p:pic>
+        <p:nvPicPr>
+          <p:cNvPr id="8" name="図 7">
             <a:extLst>
               <a:ext uri="{FF2B5EF4-FFF2-40B4-BE49-F238E27FC236}">
-                <a16:creationId xmlns:a16="http://schemas.microsoft.com/office/drawing/2014/main" id="{DFA4C5B7-891E-4A92-A960-1F87E14A149A}"/>
-              </a:ext>
-            </a:extLst>
-          </p:cNvPr>
-          <p:cNvCxnSpPr>
-            <a:cxnSpLocks/>
-          </p:cNvCxnSpPr>
-          <p:nvPr/>
-        </p:nvCxnSpPr>
-        <p:spPr>
-          <a:xfrm flipH="1">
-            <a:off x="2405013" y="4050203"/>
-            <a:ext cx="4156654" cy="360928"/>
-          </a:xfrm>
-          <a:prstGeom prst="straightConnector1">
-            <a:avLst/>
-          </a:prstGeom>
-          <a:ln w="76200">
-            <a:solidFill>
-              <a:schemeClr val="tx1"/>
-            </a:solidFill>
-            <a:tailEnd type="triangle"/>
-          </a:ln>
-          <a:effectLst/>
-        </p:spPr>
-        <p:style>
-          <a:lnRef idx="2">
-            <a:schemeClr val="accent1"/>
-          </a:lnRef>
-          <a:fillRef idx="0">
-            <a:schemeClr val="accent1"/>
-          </a:fillRef>
-          <a:effectRef idx="1">
-            <a:schemeClr val="accent1"/>
-          </a:effectRef>
-          <a:fontRef idx="minor">
-            <a:schemeClr val="tx1"/>
-          </a:fontRef>
-        </p:style>
-      </p:cxnSp>
-      <p:pic>
-        <p:nvPicPr>
-          <p:cNvPr id="41" name="グラフィックス 40">
-            <a:extLst>
-              <a:ext uri="{FF2B5EF4-FFF2-40B4-BE49-F238E27FC236}">
-                <a16:creationId xmlns:a16="http://schemas.microsoft.com/office/drawing/2014/main" id="{90E66C53-9E2E-4634-8216-D081741CA832}"/>
+                <a16:creationId xmlns:a16="http://schemas.microsoft.com/office/drawing/2014/main" id="{C3CB956B-A91E-488B-A285-91F6C452AD68}"/>
               </a:ext>
             </a:extLst>
           </p:cNvPr>
@@ -3901,79 +3486,56 @@
           </p:cNvPicPr>
           <p:nvPr/>
         </p:nvPicPr>
-        <p:blipFill>
-          <a:blip r:embed="rId7">
-            <a:extLst>
-              <a:ext uri="{96DAC541-7B7A-43D3-8B79-37D633B846F1}">
-                <asvg:svgBlip xmlns:asvg="http://schemas.microsoft.com/office/drawing/2016/SVG/main" r:embed="rId8"/>
-              </a:ext>
-            </a:extLst>
-          </a:blip>
-          <a:stretch>
-            <a:fillRect/>
-          </a:stretch>
+        <p:blipFill rotWithShape="1">
+          <a:blip r:embed="rId3"/>
+          <a:srcRect l="4016" t="2470" r="3646" b="3956"/>
+          <a:stretch/>
         </p:blipFill>
         <p:spPr>
           <a:xfrm>
-            <a:off x="537128" y="5431982"/>
-            <a:ext cx="1716067" cy="1280806"/>
+            <a:off x="3921634" y="2997201"/>
+            <a:ext cx="940739" cy="711199"/>
           </a:xfrm>
           <a:prstGeom prst="rect">
             <a:avLst/>
           </a:prstGeom>
         </p:spPr>
       </p:pic>
-      <p:cxnSp>
-        <p:nvCxnSpPr>
-          <p:cNvPr id="47" name="直線矢印コネクタ 46">
+      <p:pic>
+        <p:nvPicPr>
+          <p:cNvPr id="9" name="図 8">
             <a:extLst>
               <a:ext uri="{FF2B5EF4-FFF2-40B4-BE49-F238E27FC236}">
-                <a16:creationId xmlns:a16="http://schemas.microsoft.com/office/drawing/2014/main" id="{0EEB97B4-5F58-47FE-AE41-C86661B86187}"/>
+                <a16:creationId xmlns:a16="http://schemas.microsoft.com/office/drawing/2014/main" id="{E0FFF3FE-5351-49F2-86A5-01EF3F63C761}"/>
               </a:ext>
             </a:extLst>
           </p:cNvPr>
-          <p:cNvCxnSpPr>
-            <a:cxnSpLocks/>
-          </p:cNvCxnSpPr>
+          <p:cNvPicPr>
+            <a:picLocks noChangeAspect="1"/>
+          </p:cNvPicPr>
           <p:nvPr/>
-        </p:nvCxnSpPr>
+        </p:nvPicPr>
+        <p:blipFill rotWithShape="1">
+          <a:blip r:embed="rId4"/>
+          <a:srcRect l="3831" t="2470" r="3277" b="4451"/>
+          <a:stretch/>
+        </p:blipFill>
         <p:spPr>
           <a:xfrm>
-            <a:off x="1395162" y="4848463"/>
-            <a:ext cx="0" cy="516833"/>
+            <a:off x="3508543" y="5232401"/>
+            <a:ext cx="1766920" cy="1320799"/>
           </a:xfrm>
-          <a:prstGeom prst="straightConnector1">
+          <a:prstGeom prst="rect">
             <a:avLst/>
           </a:prstGeom>
-          <a:ln w="76200">
-            <a:solidFill>
-              <a:schemeClr val="tx1"/>
-            </a:solidFill>
-            <a:tailEnd type="triangle"/>
-          </a:ln>
-          <a:effectLst/>
         </p:spPr>
-        <p:style>
-          <a:lnRef idx="2">
-            <a:schemeClr val="accent1"/>
-          </a:lnRef>
-          <a:fillRef idx="0">
-            <a:schemeClr val="accent1"/>
-          </a:fillRef>
-          <a:effectRef idx="1">
-            <a:schemeClr val="accent1"/>
-          </a:effectRef>
-          <a:fontRef idx="minor">
-            <a:schemeClr val="tx1"/>
-          </a:fontRef>
-        </p:style>
-      </p:cxnSp>
-      <p:sp>
-        <p:nvSpPr>
-          <p:cNvPr id="52" name="正方形/長方形 51">
+      </p:pic>
+      <p:sp>
+        <p:nvSpPr>
+          <p:cNvPr id="10" name="矢印: U ターン 9">
             <a:extLst>
               <a:ext uri="{FF2B5EF4-FFF2-40B4-BE49-F238E27FC236}">
-                <a16:creationId xmlns:a16="http://schemas.microsoft.com/office/drawing/2014/main" id="{68F8F0B8-8F33-4352-8EA2-7D4409D5F107}"/>
+                <a16:creationId xmlns:a16="http://schemas.microsoft.com/office/drawing/2014/main" id="{B3F17665-5528-4115-95CD-4C90F4BCE923}"/>
               </a:ext>
             </a:extLst>
           </p:cNvPr>
@@ -3981,173 +3543,18 @@
           <p:nvPr/>
         </p:nvSpPr>
         <p:spPr>
-          <a:xfrm>
-            <a:off x="3242826" y="5234011"/>
-            <a:ext cx="5816504" cy="1544885"/>
+          <a:xfrm rot="5400000" flipH="1">
+            <a:off x="4804359" y="2885882"/>
+            <a:ext cx="2074335" cy="2009104"/>
           </a:xfrm>
-          <a:prstGeom prst="rect">
-            <a:avLst/>
-          </a:prstGeom>
-        </p:spPr>
-        <p:style>
-          <a:lnRef idx="2">
-            <a:schemeClr val="dk1"/>
-          </a:lnRef>
-          <a:fillRef idx="1">
-            <a:schemeClr val="lt1"/>
-          </a:fillRef>
-          <a:effectRef idx="0">
-            <a:schemeClr val="dk1"/>
-          </a:effectRef>
-          <a:fontRef idx="minor">
-            <a:schemeClr val="dk1"/>
-          </a:fontRef>
-        </p:style>
-        <p:txBody>
-          <a:bodyPr rtlCol="0" anchor="ctr"/>
-          <a:lstStyle/>
-          <a:p>
-            <a:pPr algn="ctr"/>
-            <a:r>
-              <a:rPr lang="ja-JP" altLang="en-US" sz="2400" b="1" u="sng" dirty="0"/>
-              <a:t>研究目的</a:t>
-            </a:r>
-            <a:endParaRPr lang="en-US" altLang="ja-JP" sz="2400" b="1" u="sng" dirty="0"/>
-          </a:p>
-          <a:p>
-            <a:pPr algn="ctr"/>
-            <a:r>
-              <a:rPr lang="ja-JP" altLang="en-US" sz="2400" dirty="0"/>
-              <a:t>入力された何らかの脈波値を</a:t>
-            </a:r>
-            <a:endParaRPr lang="en-US" altLang="ja-JP" sz="2400" dirty="0"/>
-          </a:p>
-          <a:p>
-            <a:pPr algn="ctr"/>
-            <a:r>
-              <a:rPr lang="ja-JP" altLang="en-US" sz="2400" dirty="0"/>
-              <a:t>ディスプレイ上の脈波センサで再現する</a:t>
-            </a:r>
-            <a:endParaRPr lang="en-US" altLang="ja-JP" sz="2400" dirty="0"/>
-          </a:p>
-          <a:p>
-            <a:pPr algn="ctr"/>
-            <a:r>
-              <a:rPr lang="ja-JP" altLang="en-US" sz="2400" dirty="0"/>
-              <a:t>→ 義手などでも既存のデバイスが利用可能</a:t>
-            </a:r>
-            <a:endParaRPr lang="en-US" altLang="ja-JP" sz="2400" dirty="0"/>
-          </a:p>
-        </p:txBody>
-      </p:sp>
-      <p:cxnSp>
-        <p:nvCxnSpPr>
-          <p:cNvPr id="26" name="直線矢印コネクタ 25">
-            <a:extLst>
-              <a:ext uri="{FF2B5EF4-FFF2-40B4-BE49-F238E27FC236}">
-                <a16:creationId xmlns:a16="http://schemas.microsoft.com/office/drawing/2014/main" id="{E67189FC-62C6-4CA0-9CE9-35D0442064D6}"/>
-              </a:ext>
-            </a:extLst>
-          </p:cNvPr>
-          <p:cNvCxnSpPr>
-            <a:cxnSpLocks/>
-          </p:cNvCxnSpPr>
-          <p:nvPr/>
-        </p:nvCxnSpPr>
-        <p:spPr>
-          <a:xfrm flipV="1">
-            <a:off x="1482621" y="3264458"/>
-            <a:ext cx="2260701" cy="205351"/>
-          </a:xfrm>
-          <a:prstGeom prst="straightConnector1">
-            <a:avLst/>
-          </a:prstGeom>
-          <a:ln w="76200">
-            <a:solidFill>
-              <a:schemeClr val="tx1"/>
-            </a:solidFill>
-            <a:tailEnd type="triangle"/>
-          </a:ln>
-          <a:effectLst/>
-        </p:spPr>
-        <p:style>
-          <a:lnRef idx="2">
-            <a:schemeClr val="accent1"/>
-          </a:lnRef>
-          <a:fillRef idx="0">
-            <a:schemeClr val="accent1"/>
-          </a:fillRef>
-          <a:effectRef idx="1">
-            <a:schemeClr val="accent1"/>
-          </a:effectRef>
-          <a:fontRef idx="minor">
-            <a:schemeClr val="tx1"/>
-          </a:fontRef>
-        </p:style>
-      </p:cxnSp>
-      <p:sp>
-        <p:nvSpPr>
-          <p:cNvPr id="70" name="テキスト ボックス 69">
-            <a:extLst>
-              <a:ext uri="{FF2B5EF4-FFF2-40B4-BE49-F238E27FC236}">
-                <a16:creationId xmlns:a16="http://schemas.microsoft.com/office/drawing/2014/main" id="{99CC9FC5-5905-468A-A404-63A575F8E97E}"/>
-              </a:ext>
-            </a:extLst>
-          </p:cNvPr>
-          <p:cNvSpPr txBox="1"/>
-          <p:nvPr/>
-        </p:nvSpPr>
-        <p:spPr>
-          <a:xfrm>
-            <a:off x="3924275" y="4308816"/>
-            <a:ext cx="1874489" cy="707886"/>
-          </a:xfrm>
-          <a:prstGeom prst="rect">
-            <a:avLst/>
-          </a:prstGeom>
-          <a:noFill/>
-        </p:spPr>
-        <p:txBody>
-          <a:bodyPr wrap="square" rtlCol="0">
-            <a:spAutoFit/>
-          </a:bodyPr>
-          <a:lstStyle/>
-          <a:p>
-            <a:pPr algn="ctr"/>
-            <a:r>
-              <a:rPr kumimoji="1" lang="ja-JP" altLang="en-US" sz="2000" dirty="0"/>
-              <a:t>ディスプレイに</a:t>
-            </a:r>
-            <a:endParaRPr kumimoji="1" lang="en-US" altLang="ja-JP" sz="2000" dirty="0"/>
-          </a:p>
-          <a:p>
-            <a:pPr algn="ctr"/>
-            <a:r>
-              <a:rPr kumimoji="1" lang="ja-JP" altLang="en-US" sz="2000" dirty="0"/>
-              <a:t>色データを送信</a:t>
-            </a:r>
-          </a:p>
-        </p:txBody>
-      </p:sp>
-      <p:sp>
-        <p:nvSpPr>
-          <p:cNvPr id="77" name="正方形/長方形 76">
-            <a:extLst>
-              <a:ext uri="{FF2B5EF4-FFF2-40B4-BE49-F238E27FC236}">
-                <a16:creationId xmlns:a16="http://schemas.microsoft.com/office/drawing/2014/main" id="{52529D7A-1185-450D-9C1C-B930264BAE11}"/>
-              </a:ext>
-            </a:extLst>
-          </p:cNvPr>
-          <p:cNvSpPr/>
-          <p:nvPr/>
-        </p:nvSpPr>
-        <p:spPr>
-          <a:xfrm rot="1883355">
-            <a:off x="1403628" y="3936750"/>
-            <a:ext cx="428505" cy="597357"/>
-          </a:xfrm>
-          <a:prstGeom prst="rect">
-            <a:avLst/>
+          <a:prstGeom prst="uturnArrow">
+            <a:avLst>
+              <a:gd name="adj1" fmla="val 18164"/>
+              <a:gd name="adj2" fmla="val 25000"/>
+              <a:gd name="adj3" fmla="val 25000"/>
+              <a:gd name="adj4" fmla="val 43750"/>
+              <a:gd name="adj5" fmla="val 75136"/>
+            </a:avLst>
           </a:prstGeom>
           <a:solidFill>
             <a:schemeClr val="tx1"/>
@@ -4178,46 +3585,80 @@
           <a:lstStyle/>
           <a:p>
             <a:pPr algn="ctr"/>
-            <a:endParaRPr kumimoji="1" lang="ja-JP" altLang="en-US"/>
-          </a:p>
-        </p:txBody>
-      </p:sp>
-      <p:pic>
-        <p:nvPicPr>
-          <p:cNvPr id="80" name="図 79" descr="図形&#10;&#10;自動的に生成された説明">
+            <a:endParaRPr kumimoji="1" lang="ja-JP" altLang="en-US">
+              <a:solidFill>
+                <a:schemeClr val="tx1"/>
+              </a:solidFill>
+            </a:endParaRPr>
+          </a:p>
+        </p:txBody>
+      </p:sp>
+      <p:sp>
+        <p:nvSpPr>
+          <p:cNvPr id="11" name="正方形/長方形 10">
             <a:extLst>
               <a:ext uri="{FF2B5EF4-FFF2-40B4-BE49-F238E27FC236}">
-                <a16:creationId xmlns:a16="http://schemas.microsoft.com/office/drawing/2014/main" id="{2AB95310-F261-429B-869C-71C270A724FB}"/>
+                <a16:creationId xmlns:a16="http://schemas.microsoft.com/office/drawing/2014/main" id="{A7132B27-EE7E-41D3-9F30-2192C651532D}"/>
               </a:ext>
             </a:extLst>
           </p:cNvPr>
-          <p:cNvPicPr>
-            <a:picLocks noChangeAspect="1"/>
-          </p:cNvPicPr>
+          <p:cNvSpPr/>
           <p:nvPr/>
-        </p:nvPicPr>
-        <p:blipFill>
-          <a:blip r:embed="rId5"/>
-          <a:stretch>
-            <a:fillRect/>
-          </a:stretch>
-        </p:blipFill>
+        </p:nvSpPr>
         <p:spPr>
-          <a:xfrm rot="1920000">
-            <a:off x="1483247" y="4109263"/>
-            <a:ext cx="269264" cy="269264"/>
+          <a:xfrm>
+            <a:off x="5556641" y="5143732"/>
+            <a:ext cx="1450304" cy="643466"/>
           </a:xfrm>
           <a:prstGeom prst="rect">
             <a:avLst/>
           </a:prstGeom>
+          <a:solidFill>
+            <a:schemeClr val="bg1"/>
+          </a:solidFill>
+          <a:ln w="57150">
+            <a:solidFill>
+              <a:schemeClr val="tx1"/>
+            </a:solidFill>
+          </a:ln>
+          <a:effectLst/>
         </p:spPr>
-      </p:pic>
-      <p:sp>
-        <p:nvSpPr>
-          <p:cNvPr id="81" name="テキスト ボックス 80">
+        <p:style>
+          <a:lnRef idx="1">
+            <a:schemeClr val="accent1"/>
+          </a:lnRef>
+          <a:fillRef idx="3">
+            <a:schemeClr val="accent1"/>
+          </a:fillRef>
+          <a:effectRef idx="2">
+            <a:schemeClr val="accent1"/>
+          </a:effectRef>
+          <a:fontRef idx="minor">
+            <a:schemeClr val="lt1"/>
+          </a:fontRef>
+        </p:style>
+        <p:txBody>
+          <a:bodyPr rtlCol="0" anchor="ctr"/>
+          <a:lstStyle/>
+          <a:p>
+            <a:pPr algn="ctr"/>
+            <a:r>
+              <a:rPr kumimoji="1" lang="ja-JP" altLang="en-US" sz="3200" b="1" dirty="0">
+                <a:solidFill>
+                  <a:schemeClr val="tx1"/>
+                </a:solidFill>
+              </a:rPr>
+              <a:t>再現</a:t>
+            </a:r>
+          </a:p>
+        </p:txBody>
+      </p:sp>
+      <p:sp>
+        <p:nvSpPr>
+          <p:cNvPr id="12" name="テキスト ボックス 11">
             <a:extLst>
               <a:ext uri="{FF2B5EF4-FFF2-40B4-BE49-F238E27FC236}">
-                <a16:creationId xmlns:a16="http://schemas.microsoft.com/office/drawing/2014/main" id="{4979AB9F-FA23-4AF4-B924-4F2E58EE471A}"/>
+                <a16:creationId xmlns:a16="http://schemas.microsoft.com/office/drawing/2014/main" id="{1DC5512F-C1C1-44A0-9452-64319EC9E1B7}"/>
               </a:ext>
             </a:extLst>
           </p:cNvPr>
@@ -4226,8 +3667,8 @@
         </p:nvSpPr>
         <p:spPr>
           <a:xfrm>
-            <a:off x="5652399" y="2975978"/>
-            <a:ext cx="1055631" cy="400110"/>
+            <a:off x="4241801" y="1392535"/>
+            <a:ext cx="4902199" cy="461665"/>
           </a:xfrm>
           <a:prstGeom prst="rect">
             <a:avLst/>
@@ -4240,46 +3681,9 @@
           </a:bodyPr>
           <a:lstStyle/>
           <a:p>
-            <a:pPr algn="ctr"/>
-            <a:r>
-              <a:rPr kumimoji="1" lang="ja-JP" altLang="en-US" sz="2000" dirty="0"/>
-              <a:t>脈波値</a:t>
-            </a:r>
-          </a:p>
-        </p:txBody>
-      </p:sp>
-      <p:sp>
-        <p:nvSpPr>
-          <p:cNvPr id="83" name="テキスト ボックス 82">
-            <a:extLst>
-              <a:ext uri="{FF2B5EF4-FFF2-40B4-BE49-F238E27FC236}">
-                <a16:creationId xmlns:a16="http://schemas.microsoft.com/office/drawing/2014/main" id="{6A197C50-A652-4D1F-BB46-264E7A5FF57E}"/>
-              </a:ext>
-            </a:extLst>
-          </p:cNvPr>
-          <p:cNvSpPr txBox="1"/>
-          <p:nvPr/>
-        </p:nvSpPr>
-        <p:spPr>
-          <a:xfrm>
-            <a:off x="376729" y="4902261"/>
-            <a:ext cx="1055631" cy="400110"/>
-          </a:xfrm>
-          <a:prstGeom prst="rect">
-            <a:avLst/>
-          </a:prstGeom>
-          <a:noFill/>
-        </p:spPr>
-        <p:txBody>
-          <a:bodyPr wrap="square" rtlCol="0">
-            <a:spAutoFit/>
-          </a:bodyPr>
-          <a:lstStyle/>
-          <a:p>
-            <a:pPr algn="ctr"/>
-            <a:r>
-              <a:rPr kumimoji="1" lang="ja-JP" altLang="en-US" sz="2000" dirty="0"/>
-              <a:t>再現</a:t>
+            <a:r>
+              <a:rPr lang="ja-JP" altLang="en-US" sz="2400" dirty="0"/>
+              <a:t>藤井敦寛，村尾和哉　（立命館大学）</a:t>
             </a:r>
           </a:p>
         </p:txBody>
@@ -4287,7 +3691,7 @@
     </p:spTree>
     <p:extLst>
       <p:ext uri="{BB962C8B-B14F-4D97-AF65-F5344CB8AC3E}">
-        <p14:creationId xmlns:p14="http://schemas.microsoft.com/office/powerpoint/2010/main" val="2727354296"/>
+        <p14:creationId xmlns:p14="http://schemas.microsoft.com/office/powerpoint/2010/main" val="1957878146"/>
       </p:ext>
     </p:extLst>
   </p:cSld>

--- a/paper/pulse/Interaction2021/概要説明用スライド.pptx
+++ b/paper/pulse/Interaction2021/概要説明用スライド.pptx
@@ -302,7 +302,7 @@
           <a:p>
             <a:fld id="{6C01474A-1A82-DB49-B1B3-10F32BECD69B}" type="datetimeFigureOut">
               <a:rPr kumimoji="1" lang="ja-JP" altLang="en-US" smtClean="0"/>
-              <a:t>2021/2/18</a:t>
+              <a:t>2021/2/19</a:t>
             </a:fld>
             <a:endParaRPr kumimoji="1" lang="ja-JP" altLang="en-US"/>
           </a:p>
@@ -502,7 +502,7 @@
           <a:p>
             <a:fld id="{6C01474A-1A82-DB49-B1B3-10F32BECD69B}" type="datetimeFigureOut">
               <a:rPr kumimoji="1" lang="ja-JP" altLang="en-US" smtClean="0"/>
-              <a:t>2021/2/18</a:t>
+              <a:t>2021/2/19</a:t>
             </a:fld>
             <a:endParaRPr kumimoji="1" lang="ja-JP" altLang="en-US"/>
           </a:p>
@@ -712,7 +712,7 @@
           <a:p>
             <a:fld id="{6C01474A-1A82-DB49-B1B3-10F32BECD69B}" type="datetimeFigureOut">
               <a:rPr kumimoji="1" lang="ja-JP" altLang="en-US" smtClean="0"/>
-              <a:t>2021/2/18</a:t>
+              <a:t>2021/2/19</a:t>
             </a:fld>
             <a:endParaRPr kumimoji="1" lang="ja-JP" altLang="en-US"/>
           </a:p>
@@ -912,7 +912,7 @@
           <a:p>
             <a:fld id="{6C01474A-1A82-DB49-B1B3-10F32BECD69B}" type="datetimeFigureOut">
               <a:rPr kumimoji="1" lang="ja-JP" altLang="en-US" smtClean="0"/>
-              <a:t>2021/2/18</a:t>
+              <a:t>2021/2/19</a:t>
             </a:fld>
             <a:endParaRPr kumimoji="1" lang="ja-JP" altLang="en-US"/>
           </a:p>
@@ -1157,7 +1157,7 @@
           <a:p>
             <a:fld id="{6C01474A-1A82-DB49-B1B3-10F32BECD69B}" type="datetimeFigureOut">
               <a:rPr kumimoji="1" lang="ja-JP" altLang="en-US" smtClean="0"/>
-              <a:t>2021/2/18</a:t>
+              <a:t>2021/2/19</a:t>
             </a:fld>
             <a:endParaRPr kumimoji="1" lang="ja-JP" altLang="en-US"/>
           </a:p>
@@ -1506,7 +1506,7 @@
           <a:p>
             <a:fld id="{6C01474A-1A82-DB49-B1B3-10F32BECD69B}" type="datetimeFigureOut">
               <a:rPr kumimoji="1" lang="ja-JP" altLang="en-US" smtClean="0"/>
-              <a:t>2021/2/18</a:t>
+              <a:t>2021/2/19</a:t>
             </a:fld>
             <a:endParaRPr kumimoji="1" lang="ja-JP" altLang="en-US"/>
           </a:p>
@@ -1989,7 +1989,7 @@
           <a:p>
             <a:fld id="{6C01474A-1A82-DB49-B1B3-10F32BECD69B}" type="datetimeFigureOut">
               <a:rPr kumimoji="1" lang="ja-JP" altLang="en-US" smtClean="0"/>
-              <a:t>2021/2/18</a:t>
+              <a:t>2021/2/19</a:t>
             </a:fld>
             <a:endParaRPr kumimoji="1" lang="ja-JP" altLang="en-US"/>
           </a:p>
@@ -2106,7 +2106,7 @@
           <a:p>
             <a:fld id="{6C01474A-1A82-DB49-B1B3-10F32BECD69B}" type="datetimeFigureOut">
               <a:rPr kumimoji="1" lang="ja-JP" altLang="en-US" smtClean="0"/>
-              <a:t>2021/2/18</a:t>
+              <a:t>2021/2/19</a:t>
             </a:fld>
             <a:endParaRPr kumimoji="1" lang="ja-JP" altLang="en-US"/>
           </a:p>
@@ -2201,7 +2201,7 @@
           <a:p>
             <a:fld id="{6C01474A-1A82-DB49-B1B3-10F32BECD69B}" type="datetimeFigureOut">
               <a:rPr kumimoji="1" lang="ja-JP" altLang="en-US" smtClean="0"/>
-              <a:t>2021/2/18</a:t>
+              <a:t>2021/2/19</a:t>
             </a:fld>
             <a:endParaRPr kumimoji="1" lang="ja-JP" altLang="en-US"/>
           </a:p>
@@ -2508,7 +2508,7 @@
           <a:p>
             <a:fld id="{6C01474A-1A82-DB49-B1B3-10F32BECD69B}" type="datetimeFigureOut">
               <a:rPr kumimoji="1" lang="ja-JP" altLang="en-US" smtClean="0"/>
-              <a:t>2021/2/18</a:t>
+              <a:t>2021/2/19</a:t>
             </a:fld>
             <a:endParaRPr kumimoji="1" lang="ja-JP" altLang="en-US"/>
           </a:p>
@@ -2760,7 +2760,7 @@
           <a:p>
             <a:fld id="{6C01474A-1A82-DB49-B1B3-10F32BECD69B}" type="datetimeFigureOut">
               <a:rPr kumimoji="1" lang="ja-JP" altLang="en-US" smtClean="0"/>
-              <a:t>2021/2/18</a:t>
+              <a:t>2021/2/19</a:t>
             </a:fld>
             <a:endParaRPr kumimoji="1" lang="ja-JP" altLang="en-US"/>
           </a:p>
@@ -3003,7 +3003,7 @@
           <a:p>
             <a:fld id="{6C01474A-1A82-DB49-B1B3-10F32BECD69B}" type="datetimeFigureOut">
               <a:rPr kumimoji="1" lang="ja-JP" altLang="en-US" smtClean="0"/>
-              <a:t>2021/2/18</a:t>
+              <a:t>2021/2/19</a:t>
             </a:fld>
             <a:endParaRPr kumimoji="1" lang="ja-JP" altLang="en-US"/>
           </a:p>
@@ -3544,8 +3544,8 @@
         </p:nvSpPr>
         <p:spPr>
           <a:xfrm rot="5400000" flipH="1">
-            <a:off x="4804359" y="2885882"/>
-            <a:ext cx="2074335" cy="2009104"/>
+            <a:off x="4838226" y="2919748"/>
+            <a:ext cx="2006602" cy="2009104"/>
           </a:xfrm>
           <a:prstGeom prst="uturnArrow">
             <a:avLst>
@@ -3557,12 +3557,10 @@
             </a:avLst>
           </a:prstGeom>
           <a:solidFill>
-            <a:schemeClr val="tx1"/>
+            <a:srgbClr val="00B050"/>
           </a:solidFill>
-          <a:ln>
-            <a:solidFill>
-              <a:schemeClr val="tx1"/>
-            </a:solidFill>
+          <a:ln w="76200">
+            <a:noFill/>
           </a:ln>
           <a:effectLst/>
         </p:spPr>
